--- a/figures/fig3.parts/figure3.pptx
+++ b/figures/fig3.parts/figure3.pptx
@@ -259,7 +259,7 @@
           <a:p>
             <a:fld id="{585353AE-F9D3-5641-AA34-42930FE16F63}" type="datetimeFigureOut">
               <a:rPr lang="en-US" smtClean="0"/>
-              <a:t>4/8/20</a:t>
+              <a:t>5/26/20</a:t>
             </a:fld>
             <a:endParaRPr lang="en-US"/>
           </a:p>
@@ -457,7 +457,7 @@
           <a:p>
             <a:fld id="{585353AE-F9D3-5641-AA34-42930FE16F63}" type="datetimeFigureOut">
               <a:rPr lang="en-US" smtClean="0"/>
-              <a:t>4/8/20</a:t>
+              <a:t>5/26/20</a:t>
             </a:fld>
             <a:endParaRPr lang="en-US"/>
           </a:p>
@@ -665,7 +665,7 @@
           <a:p>
             <a:fld id="{585353AE-F9D3-5641-AA34-42930FE16F63}" type="datetimeFigureOut">
               <a:rPr lang="en-US" smtClean="0"/>
-              <a:t>4/8/20</a:t>
+              <a:t>5/26/20</a:t>
             </a:fld>
             <a:endParaRPr lang="en-US"/>
           </a:p>
@@ -863,7 +863,7 @@
           <a:p>
             <a:fld id="{585353AE-F9D3-5641-AA34-42930FE16F63}" type="datetimeFigureOut">
               <a:rPr lang="en-US" smtClean="0"/>
-              <a:t>4/8/20</a:t>
+              <a:t>5/26/20</a:t>
             </a:fld>
             <a:endParaRPr lang="en-US"/>
           </a:p>
@@ -1138,7 +1138,7 @@
           <a:p>
             <a:fld id="{585353AE-F9D3-5641-AA34-42930FE16F63}" type="datetimeFigureOut">
               <a:rPr lang="en-US" smtClean="0"/>
-              <a:t>4/8/20</a:t>
+              <a:t>5/26/20</a:t>
             </a:fld>
             <a:endParaRPr lang="en-US"/>
           </a:p>
@@ -1403,7 +1403,7 @@
           <a:p>
             <a:fld id="{585353AE-F9D3-5641-AA34-42930FE16F63}" type="datetimeFigureOut">
               <a:rPr lang="en-US" smtClean="0"/>
-              <a:t>4/8/20</a:t>
+              <a:t>5/26/20</a:t>
             </a:fld>
             <a:endParaRPr lang="en-US"/>
           </a:p>
@@ -1815,7 +1815,7 @@
           <a:p>
             <a:fld id="{585353AE-F9D3-5641-AA34-42930FE16F63}" type="datetimeFigureOut">
               <a:rPr lang="en-US" smtClean="0"/>
-              <a:t>4/8/20</a:t>
+              <a:t>5/26/20</a:t>
             </a:fld>
             <a:endParaRPr lang="en-US"/>
           </a:p>
@@ -1956,7 +1956,7 @@
           <a:p>
             <a:fld id="{585353AE-F9D3-5641-AA34-42930FE16F63}" type="datetimeFigureOut">
               <a:rPr lang="en-US" smtClean="0"/>
-              <a:t>4/8/20</a:t>
+              <a:t>5/26/20</a:t>
             </a:fld>
             <a:endParaRPr lang="en-US"/>
           </a:p>
@@ -2069,7 +2069,7 @@
           <a:p>
             <a:fld id="{585353AE-F9D3-5641-AA34-42930FE16F63}" type="datetimeFigureOut">
               <a:rPr lang="en-US" smtClean="0"/>
-              <a:t>4/8/20</a:t>
+              <a:t>5/26/20</a:t>
             </a:fld>
             <a:endParaRPr lang="en-US"/>
           </a:p>
@@ -2380,7 +2380,7 @@
           <a:p>
             <a:fld id="{585353AE-F9D3-5641-AA34-42930FE16F63}" type="datetimeFigureOut">
               <a:rPr lang="en-US" smtClean="0"/>
-              <a:t>4/8/20</a:t>
+              <a:t>5/26/20</a:t>
             </a:fld>
             <a:endParaRPr lang="en-US"/>
           </a:p>
@@ -2668,7 +2668,7 @@
           <a:p>
             <a:fld id="{585353AE-F9D3-5641-AA34-42930FE16F63}" type="datetimeFigureOut">
               <a:rPr lang="en-US" smtClean="0"/>
-              <a:t>4/8/20</a:t>
+              <a:t>5/26/20</a:t>
             </a:fld>
             <a:endParaRPr lang="en-US"/>
           </a:p>
@@ -2909,7 +2909,7 @@
           <a:p>
             <a:fld id="{585353AE-F9D3-5641-AA34-42930FE16F63}" type="datetimeFigureOut">
               <a:rPr lang="en-US" smtClean="0"/>
-              <a:t>4/8/20</a:t>
+              <a:t>5/26/20</a:t>
             </a:fld>
             <a:endParaRPr lang="en-US"/>
           </a:p>
@@ -3326,6 +3326,48 @@
           <a:chExt cx="0" cy="0"/>
         </a:xfrm>
       </p:grpSpPr>
+      <p:pic>
+        <p:nvPicPr>
+          <p:cNvPr id="5" name="Picture 4">
+            <a:extLst>
+              <a:ext uri="{FF2B5EF4-FFF2-40B4-BE49-F238E27FC236}">
+                <a16:creationId xmlns:a16="http://schemas.microsoft.com/office/drawing/2014/main" id="{101C1E23-49DE-AC4C-9005-41C4293CDB7E}"/>
+              </a:ext>
+            </a:extLst>
+          </p:cNvPr>
+          <p:cNvPicPr>
+            <a:picLocks noChangeAspect="1"/>
+          </p:cNvPicPr>
+          <p:nvPr/>
+        </p:nvPicPr>
+        <p:blipFill rotWithShape="1">
+          <a:blip r:embed="rId2">
+            <a:clrChange>
+              <a:clrFrom>
+                <a:srgbClr val="000000">
+                  <a:alpha val="0"/>
+                </a:srgbClr>
+              </a:clrFrom>
+              <a:clrTo>
+                <a:srgbClr val="000000">
+                  <a:alpha val="0"/>
+                </a:srgbClr>
+              </a:clrTo>
+            </a:clrChange>
+          </a:blip>
+          <a:srcRect b="3288"/>
+          <a:stretch/>
+        </p:blipFill>
+        <p:spPr>
+          <a:xfrm>
+            <a:off x="2161513" y="3007214"/>
+            <a:ext cx="3905650" cy="3777216"/>
+          </a:xfrm>
+          <a:prstGeom prst="rect">
+            <a:avLst/>
+          </a:prstGeom>
+        </p:spPr>
+      </p:pic>
       <p:grpSp>
         <p:nvGrpSpPr>
           <p:cNvPr id="2" name="Group 1">
@@ -3401,7 +3443,7 @@
                 <p:nvPr/>
               </p:nvPicPr>
               <p:blipFill rotWithShape="1">
-                <a:blip r:embed="rId2"/>
+                <a:blip r:embed="rId3"/>
                 <a:srcRect t="17783" r="8302" b="4815"/>
                 <a:stretch/>
               </p:blipFill>
@@ -3430,7 +3472,7 @@
                 <p:nvPr/>
               </p:nvPicPr>
               <p:blipFill rotWithShape="1">
-                <a:blip r:embed="rId3"/>
+                <a:blip r:embed="rId4"/>
                 <a:srcRect l="368" t="17783" r="8387" b="4815"/>
                 <a:stretch/>
               </p:blipFill>
@@ -3553,7 +3595,7 @@
               <p:nvPr/>
             </p:nvPicPr>
             <p:blipFill rotWithShape="1">
-              <a:blip r:embed="rId4">
+              <a:blip r:embed="rId5">
                 <a:clrChange>
                   <a:clrFrom>
                     <a:srgbClr val="000000">
@@ -3654,35 +3696,6 @@
           </p:sp>
         </p:grpSp>
       </p:grpSp>
-      <p:pic>
-        <p:nvPicPr>
-          <p:cNvPr id="4" name="Picture 3">
-            <a:extLst>
-              <a:ext uri="{FF2B5EF4-FFF2-40B4-BE49-F238E27FC236}">
-                <a16:creationId xmlns:a16="http://schemas.microsoft.com/office/drawing/2014/main" id="{ABC1F634-63A3-264C-A81F-5AD01CBF6F39}"/>
-              </a:ext>
-            </a:extLst>
-          </p:cNvPr>
-          <p:cNvPicPr>
-            <a:picLocks noChangeAspect="1"/>
-          </p:cNvPicPr>
-          <p:nvPr/>
-        </p:nvPicPr>
-        <p:blipFill rotWithShape="1">
-          <a:blip r:embed="rId5"/>
-          <a:srcRect t="17013" r="7565" b="3595"/>
-          <a:stretch/>
-        </p:blipFill>
-        <p:spPr>
-          <a:xfrm>
-            <a:off x="2222907" y="3704899"/>
-            <a:ext cx="3627411" cy="3115585"/>
-          </a:xfrm>
-          <a:prstGeom prst="rect">
-            <a:avLst/>
-          </a:prstGeom>
-        </p:spPr>
-      </p:pic>
     </p:spTree>
     <p:extLst>
       <p:ext uri="{BB962C8B-B14F-4D97-AF65-F5344CB8AC3E}">
